--- a/Test_Lab/20250512/figures.pptx
+++ b/Test_Lab/20250512/figures.pptx
@@ -6,6 +6,8 @@
   </p:sldMasterIdLst>
   <p:sldIdLst>
     <p:sldId id="256" r:id="rId2"/>
+    <p:sldId id="258" r:id="rId3"/>
+    <p:sldId id="257" r:id="rId4"/>
   </p:sldIdLst>
   <p:sldSz cx="12192000" cy="6858000"/>
   <p:notesSz cx="6858000" cy="9144000"/>
@@ -104,6 +106,11 @@
       </a:defRPr>
     </a:lvl9pPr>
   </p:defaultTextStyle>
+  <p:extLst>
+    <p:ext uri="{EFAFB233-063F-42B5-8137-9DF3F51BA10A}">
+      <p15:sldGuideLst xmlns:p15="http://schemas.microsoft.com/office/powerpoint/2012/main"/>
+    </p:ext>
+  </p:extLst>
 </p:presentation>
 </file>
 
@@ -256,7 +263,7 @@
           <a:p>
             <a:fld id="{3578193C-2D7E-41B0-8A98-DFDB1CA8B06B}" type="datetimeFigureOut">
               <a:rPr lang="ca-ES" smtClean="0"/>
-              <a:t>12/5/2025</a:t>
+              <a:t>13/5/2025</a:t>
             </a:fld>
             <a:endParaRPr lang="ca-ES"/>
           </a:p>
@@ -456,7 +463,7 @@
           <a:p>
             <a:fld id="{3578193C-2D7E-41B0-8A98-DFDB1CA8B06B}" type="datetimeFigureOut">
               <a:rPr lang="ca-ES" smtClean="0"/>
-              <a:t>12/5/2025</a:t>
+              <a:t>13/5/2025</a:t>
             </a:fld>
             <a:endParaRPr lang="ca-ES"/>
           </a:p>
@@ -666,7 +673,7 @@
           <a:p>
             <a:fld id="{3578193C-2D7E-41B0-8A98-DFDB1CA8B06B}" type="datetimeFigureOut">
               <a:rPr lang="ca-ES" smtClean="0"/>
-              <a:t>12/5/2025</a:t>
+              <a:t>13/5/2025</a:t>
             </a:fld>
             <a:endParaRPr lang="ca-ES"/>
           </a:p>
@@ -866,7 +873,7 @@
           <a:p>
             <a:fld id="{3578193C-2D7E-41B0-8A98-DFDB1CA8B06B}" type="datetimeFigureOut">
               <a:rPr lang="ca-ES" smtClean="0"/>
-              <a:t>12/5/2025</a:t>
+              <a:t>13/5/2025</a:t>
             </a:fld>
             <a:endParaRPr lang="ca-ES"/>
           </a:p>
@@ -1142,7 +1149,7 @@
           <a:p>
             <a:fld id="{3578193C-2D7E-41B0-8A98-DFDB1CA8B06B}" type="datetimeFigureOut">
               <a:rPr lang="ca-ES" smtClean="0"/>
-              <a:t>12/5/2025</a:t>
+              <a:t>13/5/2025</a:t>
             </a:fld>
             <a:endParaRPr lang="ca-ES"/>
           </a:p>
@@ -1410,7 +1417,7 @@
           <a:p>
             <a:fld id="{3578193C-2D7E-41B0-8A98-DFDB1CA8B06B}" type="datetimeFigureOut">
               <a:rPr lang="ca-ES" smtClean="0"/>
-              <a:t>12/5/2025</a:t>
+              <a:t>13/5/2025</a:t>
             </a:fld>
             <a:endParaRPr lang="ca-ES"/>
           </a:p>
@@ -1825,7 +1832,7 @@
           <a:p>
             <a:fld id="{3578193C-2D7E-41B0-8A98-DFDB1CA8B06B}" type="datetimeFigureOut">
               <a:rPr lang="ca-ES" smtClean="0"/>
-              <a:t>12/5/2025</a:t>
+              <a:t>13/5/2025</a:t>
             </a:fld>
             <a:endParaRPr lang="ca-ES"/>
           </a:p>
@@ -1967,7 +1974,7 @@
           <a:p>
             <a:fld id="{3578193C-2D7E-41B0-8A98-DFDB1CA8B06B}" type="datetimeFigureOut">
               <a:rPr lang="ca-ES" smtClean="0"/>
-              <a:t>12/5/2025</a:t>
+              <a:t>13/5/2025</a:t>
             </a:fld>
             <a:endParaRPr lang="ca-ES"/>
           </a:p>
@@ -2080,7 +2087,7 @@
           <a:p>
             <a:fld id="{3578193C-2D7E-41B0-8A98-DFDB1CA8B06B}" type="datetimeFigureOut">
               <a:rPr lang="ca-ES" smtClean="0"/>
-              <a:t>12/5/2025</a:t>
+              <a:t>13/5/2025</a:t>
             </a:fld>
             <a:endParaRPr lang="ca-ES"/>
           </a:p>
@@ -2393,7 +2400,7 @@
           <a:p>
             <a:fld id="{3578193C-2D7E-41B0-8A98-DFDB1CA8B06B}" type="datetimeFigureOut">
               <a:rPr lang="ca-ES" smtClean="0"/>
-              <a:t>12/5/2025</a:t>
+              <a:t>13/5/2025</a:t>
             </a:fld>
             <a:endParaRPr lang="ca-ES"/>
           </a:p>
@@ -2682,7 +2689,7 @@
           <a:p>
             <a:fld id="{3578193C-2D7E-41B0-8A98-DFDB1CA8B06B}" type="datetimeFigureOut">
               <a:rPr lang="ca-ES" smtClean="0"/>
-              <a:t>12/5/2025</a:t>
+              <a:t>13/5/2025</a:t>
             </a:fld>
             <a:endParaRPr lang="ca-ES"/>
           </a:p>
@@ -2925,7 +2932,7 @@
           <a:p>
             <a:fld id="{3578193C-2D7E-41B0-8A98-DFDB1CA8B06B}" type="datetimeFigureOut">
               <a:rPr lang="ca-ES" smtClean="0"/>
-              <a:t>12/5/2025</a:t>
+              <a:t>13/5/2025</a:t>
             </a:fld>
             <a:endParaRPr lang="ca-ES"/>
           </a:p>
@@ -3480,10 +3487,306 @@
           </a:p>
         </p:txBody>
       </p:sp>
+      <p:sp>
+        <p:nvSpPr>
+          <p:cNvPr id="2" name="CuadroTexto 1">
+            <a:extLst>
+              <a:ext uri="{FF2B5EF4-FFF2-40B4-BE49-F238E27FC236}">
+                <a16:creationId xmlns:a16="http://schemas.microsoft.com/office/drawing/2014/main" id="{08E53835-19F5-5460-D91F-889D13D3D0FE}"/>
+              </a:ext>
+            </a:extLst>
+          </p:cNvPr>
+          <p:cNvSpPr txBox="1"/>
+          <p:nvPr/>
+        </p:nvSpPr>
+        <p:spPr>
+          <a:xfrm>
+            <a:off x="250816" y="80907"/>
+            <a:ext cx="10158458" cy="707886"/>
+          </a:xfrm>
+          <a:prstGeom prst="rect">
+            <a:avLst/>
+          </a:prstGeom>
+          <a:noFill/>
+        </p:spPr>
+        <p:txBody>
+          <a:bodyPr wrap="square" rtlCol="0">
+            <a:spAutoFit/>
+          </a:bodyPr>
+          <a:lstStyle/>
+          <a:p>
+            <a:r>
+              <a:rPr lang="ca-ES" sz="4000" dirty="0"/>
+              <a:t>12/05 3.5l/min </a:t>
+            </a:r>
+            <a:r>
+              <a:rPr lang="ca-ES" sz="4000" dirty="0" err="1"/>
+              <a:t>pump</a:t>
+            </a:r>
+            <a:r>
+              <a:rPr lang="ca-ES" sz="4000" dirty="0"/>
+              <a:t> Connected... </a:t>
+            </a:r>
+            <a:r>
+              <a:rPr lang="ca-ES" sz="4000" dirty="0" err="1"/>
+              <a:t>Don’t</a:t>
+            </a:r>
+            <a:r>
+              <a:rPr lang="ca-ES" sz="4000" dirty="0"/>
+              <a:t> </a:t>
+            </a:r>
+            <a:r>
+              <a:rPr lang="ca-ES" sz="4000" dirty="0" err="1"/>
+              <a:t>use</a:t>
+            </a:r>
+            <a:endParaRPr lang="ca-ES" sz="4000" baseline="-25000" dirty="0"/>
+          </a:p>
+        </p:txBody>
+      </p:sp>
     </p:spTree>
     <p:extLst>
       <p:ext uri="{BB962C8B-B14F-4D97-AF65-F5344CB8AC3E}">
         <p14:creationId xmlns:p14="http://schemas.microsoft.com/office/powerpoint/2010/main" val="3987593359"/>
+      </p:ext>
+    </p:extLst>
+  </p:cSld>
+  <p:clrMapOvr>
+    <a:masterClrMapping/>
+  </p:clrMapOvr>
+</p:sld>
+</file>
+
+<file path=ppt/slides/slide2.xml><?xml version="1.0" encoding="utf-8"?>
+<p:sld xmlns:a="http://schemas.openxmlformats.org/drawingml/2006/main" xmlns:r="http://schemas.openxmlformats.org/officeDocument/2006/relationships" xmlns:p="http://schemas.openxmlformats.org/presentationml/2006/main">
+  <p:cSld>
+    <p:spTree>
+      <p:nvGrpSpPr>
+        <p:cNvPr id="1" name=""/>
+        <p:cNvGrpSpPr/>
+        <p:nvPr/>
+      </p:nvGrpSpPr>
+      <p:grpSpPr>
+        <a:xfrm>
+          <a:off x="0" y="0"/>
+          <a:ext cx="0" cy="0"/>
+          <a:chOff x="0" y="0"/>
+          <a:chExt cx="0" cy="0"/>
+        </a:xfrm>
+      </p:grpSpPr>
+      <p:pic>
+        <p:nvPicPr>
+          <p:cNvPr id="5" name="Imagen 4">
+            <a:extLst>
+              <a:ext uri="{FF2B5EF4-FFF2-40B4-BE49-F238E27FC236}">
+                <a16:creationId xmlns:a16="http://schemas.microsoft.com/office/drawing/2014/main" id="{586D9459-1D39-DD35-D656-10C913E26958}"/>
+              </a:ext>
+            </a:extLst>
+          </p:cNvPr>
+          <p:cNvPicPr>
+            <a:picLocks noChangeAspect="1"/>
+          </p:cNvPicPr>
+          <p:nvPr/>
+        </p:nvPicPr>
+        <p:blipFill>
+          <a:blip r:embed="rId2"/>
+          <a:stretch>
+            <a:fillRect/>
+          </a:stretch>
+        </p:blipFill>
+        <p:spPr>
+          <a:xfrm>
+            <a:off x="1984800" y="691200"/>
+            <a:ext cx="8222400" cy="6166800"/>
+          </a:xfrm>
+          <a:prstGeom prst="rect">
+            <a:avLst/>
+          </a:prstGeom>
+        </p:spPr>
+      </p:pic>
+      <p:sp>
+        <p:nvSpPr>
+          <p:cNvPr id="6" name="CuadroTexto 5">
+            <a:extLst>
+              <a:ext uri="{FF2B5EF4-FFF2-40B4-BE49-F238E27FC236}">
+                <a16:creationId xmlns:a16="http://schemas.microsoft.com/office/drawing/2014/main" id="{38CDD724-B201-1042-31CF-4E941263A2FC}"/>
+              </a:ext>
+            </a:extLst>
+          </p:cNvPr>
+          <p:cNvSpPr txBox="1"/>
+          <p:nvPr/>
+        </p:nvSpPr>
+        <p:spPr>
+          <a:xfrm>
+            <a:off x="250816" y="80907"/>
+            <a:ext cx="10158458" cy="707886"/>
+          </a:xfrm>
+          <a:prstGeom prst="rect">
+            <a:avLst/>
+          </a:prstGeom>
+          <a:noFill/>
+        </p:spPr>
+        <p:txBody>
+          <a:bodyPr wrap="square" rtlCol="0">
+            <a:spAutoFit/>
+          </a:bodyPr>
+          <a:lstStyle/>
+          <a:p>
+            <a:r>
+              <a:rPr lang="ca-ES" sz="4000" dirty="0"/>
+              <a:t>13/05 3.5l/min </a:t>
+            </a:r>
+            <a:r>
+              <a:rPr lang="ca-ES" sz="4000" dirty="0" err="1"/>
+              <a:t>pump</a:t>
+            </a:r>
+            <a:r>
+              <a:rPr lang="ca-ES" sz="4000" dirty="0"/>
+              <a:t> </a:t>
+            </a:r>
+            <a:r>
+              <a:rPr lang="ca-ES" sz="4000" dirty="0" err="1"/>
+              <a:t>disconnected</a:t>
+            </a:r>
+            <a:r>
+              <a:rPr lang="ca-ES" sz="4000" dirty="0"/>
+              <a:t> </a:t>
+            </a:r>
+            <a:endParaRPr lang="ca-ES" sz="4000" baseline="-25000" dirty="0"/>
+          </a:p>
+        </p:txBody>
+      </p:sp>
+    </p:spTree>
+    <p:extLst>
+      <p:ext uri="{BB962C8B-B14F-4D97-AF65-F5344CB8AC3E}">
+        <p14:creationId xmlns:p14="http://schemas.microsoft.com/office/powerpoint/2010/main" val="3635183049"/>
+      </p:ext>
+    </p:extLst>
+  </p:cSld>
+  <p:clrMapOvr>
+    <a:masterClrMapping/>
+  </p:clrMapOvr>
+</p:sld>
+</file>
+
+<file path=ppt/slides/slide3.xml><?xml version="1.0" encoding="utf-8"?>
+<p:sld xmlns:a="http://schemas.openxmlformats.org/drawingml/2006/main" xmlns:r="http://schemas.openxmlformats.org/officeDocument/2006/relationships" xmlns:p="http://schemas.openxmlformats.org/presentationml/2006/main">
+  <p:cSld>
+    <p:spTree>
+      <p:nvGrpSpPr>
+        <p:cNvPr id="1" name=""/>
+        <p:cNvGrpSpPr/>
+        <p:nvPr/>
+      </p:nvGrpSpPr>
+      <p:grpSpPr>
+        <a:xfrm>
+          <a:off x="0" y="0"/>
+          <a:ext cx="0" cy="0"/>
+          <a:chOff x="0" y="0"/>
+          <a:chExt cx="0" cy="0"/>
+        </a:xfrm>
+      </p:grpSpPr>
+      <p:pic>
+        <p:nvPicPr>
+          <p:cNvPr id="11" name="Imagen 10">
+            <a:extLst>
+              <a:ext uri="{FF2B5EF4-FFF2-40B4-BE49-F238E27FC236}">
+                <a16:creationId xmlns:a16="http://schemas.microsoft.com/office/drawing/2014/main" id="{0111ED21-3248-12E1-F572-8A3BB579DA31}"/>
+              </a:ext>
+            </a:extLst>
+          </p:cNvPr>
+          <p:cNvPicPr>
+            <a:picLocks noChangeAspect="1"/>
+          </p:cNvPicPr>
+          <p:nvPr/>
+        </p:nvPicPr>
+        <p:blipFill>
+          <a:blip r:embed="rId2"/>
+          <a:stretch>
+            <a:fillRect/>
+          </a:stretch>
+        </p:blipFill>
+        <p:spPr>
+          <a:xfrm>
+            <a:off x="1984800" y="597845"/>
+            <a:ext cx="8222400" cy="6166800"/>
+          </a:xfrm>
+          <a:prstGeom prst="rect">
+            <a:avLst/>
+          </a:prstGeom>
+        </p:spPr>
+      </p:pic>
+      <p:sp>
+        <p:nvSpPr>
+          <p:cNvPr id="12" name="CuadroTexto 11">
+            <a:extLst>
+              <a:ext uri="{FF2B5EF4-FFF2-40B4-BE49-F238E27FC236}">
+                <a16:creationId xmlns:a16="http://schemas.microsoft.com/office/drawing/2014/main" id="{B09E9418-749C-F07E-09C0-E704381B7220}"/>
+              </a:ext>
+            </a:extLst>
+          </p:cNvPr>
+          <p:cNvSpPr txBox="1"/>
+          <p:nvPr/>
+        </p:nvSpPr>
+        <p:spPr>
+          <a:xfrm>
+            <a:off x="250816" y="80907"/>
+            <a:ext cx="11321074" cy="1323439"/>
+          </a:xfrm>
+          <a:prstGeom prst="rect">
+            <a:avLst/>
+          </a:prstGeom>
+          <a:noFill/>
+        </p:spPr>
+        <p:txBody>
+          <a:bodyPr wrap="square" rtlCol="0">
+            <a:spAutoFit/>
+          </a:bodyPr>
+          <a:lstStyle/>
+          <a:p>
+            <a:r>
+              <a:rPr lang="ca-ES" sz="4000" dirty="0"/>
+              <a:t>13/05 3.5l/min </a:t>
+            </a:r>
+            <a:r>
+              <a:rPr lang="ca-ES" sz="4000" dirty="0" err="1"/>
+              <a:t>pump</a:t>
+            </a:r>
+            <a:r>
+              <a:rPr lang="ca-ES" sz="4000" dirty="0"/>
+              <a:t> </a:t>
+            </a:r>
+            <a:r>
+              <a:rPr lang="ca-ES" sz="4000" dirty="0" err="1"/>
+              <a:t>disconnected</a:t>
+            </a:r>
+            <a:r>
+              <a:rPr lang="ca-ES" sz="4000" dirty="0"/>
+              <a:t> </a:t>
+            </a:r>
+            <a:r>
+              <a:rPr lang="ca-ES" sz="4000" dirty="0" err="1"/>
+              <a:t>cross</a:t>
+            </a:r>
+            <a:r>
+              <a:rPr lang="ca-ES" sz="4000" dirty="0"/>
+              <a:t> </a:t>
+            </a:r>
+            <a:r>
+              <a:rPr lang="ca-ES" sz="4000" dirty="0" err="1"/>
+              <a:t>sensitivity</a:t>
+            </a:r>
+            <a:r>
+              <a:rPr lang="ca-ES" sz="4000" dirty="0"/>
+              <a:t> </a:t>
+            </a:r>
+            <a:endParaRPr lang="ca-ES" sz="4000" baseline="-25000" dirty="0"/>
+          </a:p>
+        </p:txBody>
+      </p:sp>
+    </p:spTree>
+    <p:extLst>
+      <p:ext uri="{BB962C8B-B14F-4D97-AF65-F5344CB8AC3E}">
+        <p14:creationId xmlns:p14="http://schemas.microsoft.com/office/powerpoint/2010/main" val="3536717196"/>
       </p:ext>
     </p:extLst>
   </p:cSld>

--- a/Test_Lab/20250512/figures.pptx
+++ b/Test_Lab/20250512/figures.pptx
@@ -8,6 +8,9 @@
     <p:sldId id="256" r:id="rId2"/>
     <p:sldId id="258" r:id="rId3"/>
     <p:sldId id="257" r:id="rId4"/>
+    <p:sldId id="259" r:id="rId5"/>
+    <p:sldId id="260" r:id="rId6"/>
+    <p:sldId id="261" r:id="rId7"/>
   </p:sldIdLst>
   <p:sldSz cx="12192000" cy="6858000"/>
   <p:notesSz cx="6858000" cy="9144000"/>
@@ -263,7 +266,7 @@
           <a:p>
             <a:fld id="{3578193C-2D7E-41B0-8A98-DFDB1CA8B06B}" type="datetimeFigureOut">
               <a:rPr lang="ca-ES" smtClean="0"/>
-              <a:t>13/5/2025</a:t>
+              <a:t>14/5/2025</a:t>
             </a:fld>
             <a:endParaRPr lang="ca-ES"/>
           </a:p>
@@ -463,7 +466,7 @@
           <a:p>
             <a:fld id="{3578193C-2D7E-41B0-8A98-DFDB1CA8B06B}" type="datetimeFigureOut">
               <a:rPr lang="ca-ES" smtClean="0"/>
-              <a:t>13/5/2025</a:t>
+              <a:t>14/5/2025</a:t>
             </a:fld>
             <a:endParaRPr lang="ca-ES"/>
           </a:p>
@@ -673,7 +676,7 @@
           <a:p>
             <a:fld id="{3578193C-2D7E-41B0-8A98-DFDB1CA8B06B}" type="datetimeFigureOut">
               <a:rPr lang="ca-ES" smtClean="0"/>
-              <a:t>13/5/2025</a:t>
+              <a:t>14/5/2025</a:t>
             </a:fld>
             <a:endParaRPr lang="ca-ES"/>
           </a:p>
@@ -873,7 +876,7 @@
           <a:p>
             <a:fld id="{3578193C-2D7E-41B0-8A98-DFDB1CA8B06B}" type="datetimeFigureOut">
               <a:rPr lang="ca-ES" smtClean="0"/>
-              <a:t>13/5/2025</a:t>
+              <a:t>14/5/2025</a:t>
             </a:fld>
             <a:endParaRPr lang="ca-ES"/>
           </a:p>
@@ -1149,7 +1152,7 @@
           <a:p>
             <a:fld id="{3578193C-2D7E-41B0-8A98-DFDB1CA8B06B}" type="datetimeFigureOut">
               <a:rPr lang="ca-ES" smtClean="0"/>
-              <a:t>13/5/2025</a:t>
+              <a:t>14/5/2025</a:t>
             </a:fld>
             <a:endParaRPr lang="ca-ES"/>
           </a:p>
@@ -1417,7 +1420,7 @@
           <a:p>
             <a:fld id="{3578193C-2D7E-41B0-8A98-DFDB1CA8B06B}" type="datetimeFigureOut">
               <a:rPr lang="ca-ES" smtClean="0"/>
-              <a:t>13/5/2025</a:t>
+              <a:t>14/5/2025</a:t>
             </a:fld>
             <a:endParaRPr lang="ca-ES"/>
           </a:p>
@@ -1832,7 +1835,7 @@
           <a:p>
             <a:fld id="{3578193C-2D7E-41B0-8A98-DFDB1CA8B06B}" type="datetimeFigureOut">
               <a:rPr lang="ca-ES" smtClean="0"/>
-              <a:t>13/5/2025</a:t>
+              <a:t>14/5/2025</a:t>
             </a:fld>
             <a:endParaRPr lang="ca-ES"/>
           </a:p>
@@ -1974,7 +1977,7 @@
           <a:p>
             <a:fld id="{3578193C-2D7E-41B0-8A98-DFDB1CA8B06B}" type="datetimeFigureOut">
               <a:rPr lang="ca-ES" smtClean="0"/>
-              <a:t>13/5/2025</a:t>
+              <a:t>14/5/2025</a:t>
             </a:fld>
             <a:endParaRPr lang="ca-ES"/>
           </a:p>
@@ -2087,7 +2090,7 @@
           <a:p>
             <a:fld id="{3578193C-2D7E-41B0-8A98-DFDB1CA8B06B}" type="datetimeFigureOut">
               <a:rPr lang="ca-ES" smtClean="0"/>
-              <a:t>13/5/2025</a:t>
+              <a:t>14/5/2025</a:t>
             </a:fld>
             <a:endParaRPr lang="ca-ES"/>
           </a:p>
@@ -2400,7 +2403,7 @@
           <a:p>
             <a:fld id="{3578193C-2D7E-41B0-8A98-DFDB1CA8B06B}" type="datetimeFigureOut">
               <a:rPr lang="ca-ES" smtClean="0"/>
-              <a:t>13/5/2025</a:t>
+              <a:t>14/5/2025</a:t>
             </a:fld>
             <a:endParaRPr lang="ca-ES"/>
           </a:p>
@@ -2689,7 +2692,7 @@
           <a:p>
             <a:fld id="{3578193C-2D7E-41B0-8A98-DFDB1CA8B06B}" type="datetimeFigureOut">
               <a:rPr lang="ca-ES" smtClean="0"/>
-              <a:t>13/5/2025</a:t>
+              <a:t>14/5/2025</a:t>
             </a:fld>
             <a:endParaRPr lang="ca-ES"/>
           </a:p>
@@ -2932,7 +2935,7 @@
           <a:p>
             <a:fld id="{3578193C-2D7E-41B0-8A98-DFDB1CA8B06B}" type="datetimeFigureOut">
               <a:rPr lang="ca-ES" smtClean="0"/>
-              <a:t>13/5/2025</a:t>
+              <a:t>14/5/2025</a:t>
             </a:fld>
             <a:endParaRPr lang="ca-ES"/>
           </a:p>
@@ -3796,6 +3799,186 @@
 </p:sld>
 </file>
 
+<file path=ppt/slides/slide4.xml><?xml version="1.0" encoding="utf-8"?>
+<p:sld xmlns:a="http://schemas.openxmlformats.org/drawingml/2006/main" xmlns:r="http://schemas.openxmlformats.org/officeDocument/2006/relationships" xmlns:p="http://schemas.openxmlformats.org/presentationml/2006/main">
+  <p:cSld>
+    <p:spTree>
+      <p:nvGrpSpPr>
+        <p:cNvPr id="1" name=""/>
+        <p:cNvGrpSpPr/>
+        <p:nvPr/>
+      </p:nvGrpSpPr>
+      <p:grpSpPr>
+        <a:xfrm>
+          <a:off x="0" y="0"/>
+          <a:ext cx="0" cy="0"/>
+          <a:chOff x="0" y="0"/>
+          <a:chExt cx="0" cy="0"/>
+        </a:xfrm>
+      </p:grpSpPr>
+      <p:pic>
+        <p:nvPicPr>
+          <p:cNvPr id="7" name="Imagen 6">
+            <a:extLst>
+              <a:ext uri="{FF2B5EF4-FFF2-40B4-BE49-F238E27FC236}">
+                <a16:creationId xmlns:a16="http://schemas.microsoft.com/office/drawing/2014/main" id="{4123BE9B-2B3C-C14E-2E05-CAE10FD2474F}"/>
+              </a:ext>
+            </a:extLst>
+          </p:cNvPr>
+          <p:cNvPicPr>
+            <a:picLocks noChangeAspect="1"/>
+          </p:cNvPicPr>
+          <p:nvPr/>
+        </p:nvPicPr>
+        <p:blipFill>
+          <a:blip r:embed="rId2"/>
+          <a:stretch>
+            <a:fillRect/>
+          </a:stretch>
+        </p:blipFill>
+        <p:spPr>
+          <a:xfrm>
+            <a:off x="1984800" y="345600"/>
+            <a:ext cx="8222400" cy="6166800"/>
+          </a:xfrm>
+          <a:prstGeom prst="rect">
+            <a:avLst/>
+          </a:prstGeom>
+        </p:spPr>
+      </p:pic>
+    </p:spTree>
+    <p:extLst>
+      <p:ext uri="{BB962C8B-B14F-4D97-AF65-F5344CB8AC3E}">
+        <p14:creationId xmlns:p14="http://schemas.microsoft.com/office/powerpoint/2010/main" val="1595412941"/>
+      </p:ext>
+    </p:extLst>
+  </p:cSld>
+  <p:clrMapOvr>
+    <a:masterClrMapping/>
+  </p:clrMapOvr>
+</p:sld>
+</file>
+
+<file path=ppt/slides/slide5.xml><?xml version="1.0" encoding="utf-8"?>
+<p:sld xmlns:a="http://schemas.openxmlformats.org/drawingml/2006/main" xmlns:r="http://schemas.openxmlformats.org/officeDocument/2006/relationships" xmlns:p="http://schemas.openxmlformats.org/presentationml/2006/main">
+  <p:cSld>
+    <p:spTree>
+      <p:nvGrpSpPr>
+        <p:cNvPr id="1" name=""/>
+        <p:cNvGrpSpPr/>
+        <p:nvPr/>
+      </p:nvGrpSpPr>
+      <p:grpSpPr>
+        <a:xfrm>
+          <a:off x="0" y="0"/>
+          <a:ext cx="0" cy="0"/>
+          <a:chOff x="0" y="0"/>
+          <a:chExt cx="0" cy="0"/>
+        </a:xfrm>
+      </p:grpSpPr>
+      <p:pic>
+        <p:nvPicPr>
+          <p:cNvPr id="5" name="Imagen 4">
+            <a:extLst>
+              <a:ext uri="{FF2B5EF4-FFF2-40B4-BE49-F238E27FC236}">
+                <a16:creationId xmlns:a16="http://schemas.microsoft.com/office/drawing/2014/main" id="{B3256367-59BC-43F0-C6DF-58D00BAB4F4B}"/>
+              </a:ext>
+            </a:extLst>
+          </p:cNvPr>
+          <p:cNvPicPr>
+            <a:picLocks noChangeAspect="1"/>
+          </p:cNvPicPr>
+          <p:nvPr/>
+        </p:nvPicPr>
+        <p:blipFill>
+          <a:blip r:embed="rId2"/>
+          <a:stretch>
+            <a:fillRect/>
+          </a:stretch>
+        </p:blipFill>
+        <p:spPr>
+          <a:xfrm>
+            <a:off x="1984800" y="345600"/>
+            <a:ext cx="8222400" cy="6166800"/>
+          </a:xfrm>
+          <a:prstGeom prst="rect">
+            <a:avLst/>
+          </a:prstGeom>
+        </p:spPr>
+      </p:pic>
+    </p:spTree>
+    <p:extLst>
+      <p:ext uri="{BB962C8B-B14F-4D97-AF65-F5344CB8AC3E}">
+        <p14:creationId xmlns:p14="http://schemas.microsoft.com/office/powerpoint/2010/main" val="1785342397"/>
+      </p:ext>
+    </p:extLst>
+  </p:cSld>
+  <p:clrMapOvr>
+    <a:masterClrMapping/>
+  </p:clrMapOvr>
+</p:sld>
+</file>
+
+<file path=ppt/slides/slide6.xml><?xml version="1.0" encoding="utf-8"?>
+<p:sld xmlns:a="http://schemas.openxmlformats.org/drawingml/2006/main" xmlns:r="http://schemas.openxmlformats.org/officeDocument/2006/relationships" xmlns:p="http://schemas.openxmlformats.org/presentationml/2006/main">
+  <p:cSld>
+    <p:spTree>
+      <p:nvGrpSpPr>
+        <p:cNvPr id="1" name=""/>
+        <p:cNvGrpSpPr/>
+        <p:nvPr/>
+      </p:nvGrpSpPr>
+      <p:grpSpPr>
+        <a:xfrm>
+          <a:off x="0" y="0"/>
+          <a:ext cx="0" cy="0"/>
+          <a:chOff x="0" y="0"/>
+          <a:chExt cx="0" cy="0"/>
+        </a:xfrm>
+      </p:grpSpPr>
+      <p:pic>
+        <p:nvPicPr>
+          <p:cNvPr id="5" name="Imagen 4">
+            <a:extLst>
+              <a:ext uri="{FF2B5EF4-FFF2-40B4-BE49-F238E27FC236}">
+                <a16:creationId xmlns:a16="http://schemas.microsoft.com/office/drawing/2014/main" id="{51CAC88B-5B69-0927-C926-96A6666F6507}"/>
+              </a:ext>
+            </a:extLst>
+          </p:cNvPr>
+          <p:cNvPicPr>
+            <a:picLocks noChangeAspect="1"/>
+          </p:cNvPicPr>
+          <p:nvPr/>
+        </p:nvPicPr>
+        <p:blipFill>
+          <a:blip r:embed="rId2"/>
+          <a:stretch>
+            <a:fillRect/>
+          </a:stretch>
+        </p:blipFill>
+        <p:spPr>
+          <a:xfrm>
+            <a:off x="1984800" y="345600"/>
+            <a:ext cx="8222400" cy="6166800"/>
+          </a:xfrm>
+          <a:prstGeom prst="rect">
+            <a:avLst/>
+          </a:prstGeom>
+        </p:spPr>
+      </p:pic>
+    </p:spTree>
+    <p:extLst>
+      <p:ext uri="{BB962C8B-B14F-4D97-AF65-F5344CB8AC3E}">
+        <p14:creationId xmlns:p14="http://schemas.microsoft.com/office/powerpoint/2010/main" val="2032018207"/>
+      </p:ext>
+    </p:extLst>
+  </p:cSld>
+  <p:clrMapOvr>
+    <a:masterClrMapping/>
+  </p:clrMapOvr>
+</p:sld>
+</file>
+
 <file path=ppt/theme/theme1.xml><?xml version="1.0" encoding="utf-8"?>
 <a:theme xmlns:a="http://schemas.openxmlformats.org/drawingml/2006/main" name="Tema de Office">
   <a:themeElements>
